--- a/clases/Cap00_Lineas_Generales/program/PAT_Project_2023.pptx
+++ b/clases/Cap00_Lineas_Generales/program/PAT_Project_2023.pptx
@@ -275,7 +275,7 @@
           <a:p>
             <a:fld id="{08E859BF-103A-124E-BB0E-D80502AA6328}" type="datetimeFigureOut">
               <a:rPr lang="en-CL" smtClean="0"/>
-              <a:t>23-05-23</a:t>
+              <a:t>30-05-23</a:t>
             </a:fld>
             <a:endParaRPr lang="en-CL"/>
           </a:p>
@@ -475,7 +475,7 @@
           <a:p>
             <a:fld id="{08E859BF-103A-124E-BB0E-D80502AA6328}" type="datetimeFigureOut">
               <a:rPr lang="en-CL" smtClean="0"/>
-              <a:t>23-05-23</a:t>
+              <a:t>30-05-23</a:t>
             </a:fld>
             <a:endParaRPr lang="en-CL"/>
           </a:p>
@@ -685,7 +685,7 @@
           <a:p>
             <a:fld id="{08E859BF-103A-124E-BB0E-D80502AA6328}" type="datetimeFigureOut">
               <a:rPr lang="en-CL" smtClean="0"/>
-              <a:t>23-05-23</a:t>
+              <a:t>30-05-23</a:t>
             </a:fld>
             <a:endParaRPr lang="en-CL"/>
           </a:p>
@@ -885,7 +885,7 @@
           <a:p>
             <a:fld id="{08E859BF-103A-124E-BB0E-D80502AA6328}" type="datetimeFigureOut">
               <a:rPr lang="en-CL" smtClean="0"/>
-              <a:t>23-05-23</a:t>
+              <a:t>30-05-23</a:t>
             </a:fld>
             <a:endParaRPr lang="en-CL"/>
           </a:p>
@@ -1161,7 +1161,7 @@
           <a:p>
             <a:fld id="{08E859BF-103A-124E-BB0E-D80502AA6328}" type="datetimeFigureOut">
               <a:rPr lang="en-CL" smtClean="0"/>
-              <a:t>23-05-23</a:t>
+              <a:t>30-05-23</a:t>
             </a:fld>
             <a:endParaRPr lang="en-CL"/>
           </a:p>
@@ -1429,7 +1429,7 @@
           <a:p>
             <a:fld id="{08E859BF-103A-124E-BB0E-D80502AA6328}" type="datetimeFigureOut">
               <a:rPr lang="en-CL" smtClean="0"/>
-              <a:t>23-05-23</a:t>
+              <a:t>30-05-23</a:t>
             </a:fld>
             <a:endParaRPr lang="en-CL"/>
           </a:p>
@@ -1844,7 +1844,7 @@
           <a:p>
             <a:fld id="{08E859BF-103A-124E-BB0E-D80502AA6328}" type="datetimeFigureOut">
               <a:rPr lang="en-CL" smtClean="0"/>
-              <a:t>23-05-23</a:t>
+              <a:t>30-05-23</a:t>
             </a:fld>
             <a:endParaRPr lang="en-CL"/>
           </a:p>
@@ -1986,7 +1986,7 @@
           <a:p>
             <a:fld id="{08E859BF-103A-124E-BB0E-D80502AA6328}" type="datetimeFigureOut">
               <a:rPr lang="en-CL" smtClean="0"/>
-              <a:t>23-05-23</a:t>
+              <a:t>30-05-23</a:t>
             </a:fld>
             <a:endParaRPr lang="en-CL"/>
           </a:p>
@@ -2099,7 +2099,7 @@
           <a:p>
             <a:fld id="{08E859BF-103A-124E-BB0E-D80502AA6328}" type="datetimeFigureOut">
               <a:rPr lang="en-CL" smtClean="0"/>
-              <a:t>23-05-23</a:t>
+              <a:t>30-05-23</a:t>
             </a:fld>
             <a:endParaRPr lang="en-CL"/>
           </a:p>
@@ -2412,7 +2412,7 @@
           <a:p>
             <a:fld id="{08E859BF-103A-124E-BB0E-D80502AA6328}" type="datetimeFigureOut">
               <a:rPr lang="en-CL" smtClean="0"/>
-              <a:t>23-05-23</a:t>
+              <a:t>30-05-23</a:t>
             </a:fld>
             <a:endParaRPr lang="en-CL"/>
           </a:p>
@@ -2701,7 +2701,7 @@
           <a:p>
             <a:fld id="{08E859BF-103A-124E-BB0E-D80502AA6328}" type="datetimeFigureOut">
               <a:rPr lang="en-CL" smtClean="0"/>
-              <a:t>23-05-23</a:t>
+              <a:t>30-05-23</a:t>
             </a:fld>
             <a:endParaRPr lang="en-CL"/>
           </a:p>
@@ -2944,7 +2944,7 @@
           <a:p>
             <a:fld id="{08E859BF-103A-124E-BB0E-D80502AA6328}" type="datetimeFigureOut">
               <a:rPr lang="en-CL" smtClean="0"/>
-              <a:t>23-05-23</a:t>
+              <a:t>30-05-23</a:t>
             </a:fld>
             <a:endParaRPr lang="en-CL"/>
           </a:p>
@@ -3632,7 +3632,7 @@
           <a:p>
             <a:r>
               <a:rPr lang="en-CL" dirty="0"/>
-              <a:t>FOTOS:		IDxxx_nnn.png		xxx: 001, 002, 003, ... 150 (id de la persona)</a:t>
+              <a:t>FOTOS:		IDxxx_nnn.png		xxx: 001, 002, 003, ... 90 (id de la persona)</a:t>
             </a:r>
           </a:p>
           <a:p>
@@ -4152,8 +4152,8 @@
         </p:nvSpPr>
         <p:spPr>
           <a:xfrm>
-            <a:off x="9274629" y="3716977"/>
-            <a:ext cx="2461264" cy="2308324"/>
+            <a:off x="9274628" y="3716977"/>
+            <a:ext cx="2726871" cy="2585323"/>
           </a:xfrm>
           <a:prstGeom prst="rect">
             <a:avLst/>
@@ -4168,7 +4168,7 @@
           <a:p>
             <a:r>
               <a:rPr lang="en-CL" dirty="0"/>
-              <a:t>Se entrena y valida con Grupo 0, se genera un modelo que se prueba con Test-1 (disponible), luego de la entrega los ayduante prueban con el Test-2 (no disponible para los estudiantes)</a:t>
+              <a:t>Se entrena y valida con Subset G00, se genera un modelo que se prueba con Test-1 (Subset G01,  disponible), luego de la entrega los ayduante prueban con el Test-2 (Subset G02, no disponible para los estudiantes)</a:t>
             </a:r>
           </a:p>
         </p:txBody>
@@ -4188,7 +4188,7 @@
         <p:spPr>
           <a:xfrm>
             <a:off x="1253321" y="3455421"/>
-            <a:ext cx="1106393" cy="369332"/>
+            <a:ext cx="1388522" cy="369332"/>
           </a:xfrm>
           <a:prstGeom prst="rect">
             <a:avLst/>
@@ -4203,7 +4203,7 @@
           <a:p>
             <a:r>
               <a:rPr lang="en-CL" dirty="0"/>
-              <a:t>GRUPO 0:</a:t>
+              <a:t>SUBSET G00:</a:t>
             </a:r>
           </a:p>
         </p:txBody>
@@ -4222,8 +4222,8 @@
         </p:nvSpPr>
         <p:spPr>
           <a:xfrm>
-            <a:off x="5542803" y="3455421"/>
-            <a:ext cx="1106393" cy="369332"/>
+            <a:off x="5644403" y="3455421"/>
+            <a:ext cx="1388522" cy="369332"/>
           </a:xfrm>
           <a:prstGeom prst="rect">
             <a:avLst/>
@@ -4238,7 +4238,7 @@
           <a:p>
             <a:r>
               <a:rPr lang="en-CL" dirty="0"/>
-              <a:t>GRUPO 1:</a:t>
+              <a:t>SUBSET G01:</a:t>
             </a:r>
           </a:p>
         </p:txBody>
@@ -4257,8 +4257,8 @@
         </p:nvSpPr>
         <p:spPr>
           <a:xfrm>
-            <a:off x="7041197" y="3416228"/>
-            <a:ext cx="1106393" cy="369332"/>
+            <a:off x="7090954" y="3455421"/>
+            <a:ext cx="1388522" cy="369332"/>
           </a:xfrm>
           <a:prstGeom prst="rect">
             <a:avLst/>
@@ -4273,7 +4273,7 @@
           <a:p>
             <a:r>
               <a:rPr lang="en-CL" dirty="0"/>
-              <a:t>GRUPO 2:</a:t>
+              <a:t>SUBSET G02:</a:t>
             </a:r>
           </a:p>
         </p:txBody>
